--- a/Docs/プレゼンテーション1.pptx
+++ b/Docs/プレゼンテーション1.pptx
@@ -108,6 +108,11 @@
       </a:defRPr>
     </a:lvl9pPr>
   </p:defaultTextStyle>
+  <p:extLst>
+    <p:ext uri="{EFAFB233-063F-42B5-8137-9DF3F51BA10A}">
+      <p15:sldGuideLst xmlns:p15="http://schemas.microsoft.com/office/powerpoint/2012/main"/>
+    </p:ext>
+  </p:extLst>
 </p:presentation>
 </file>
 
@@ -8017,18 +8022,39 @@
           <a:p>
             <a:pPr algn="l"/>
             <a:r>
-              <a:rPr lang="en-US" altLang="ja-JP" dirty="0" smtClean="0">
+              <a:rPr lang="en-US" altLang="ja-JP" sz="2400" dirty="0" smtClean="0">
                 <a:solidFill>
                   <a:schemeClr val="bg1"/>
                 </a:solidFill>
               </a:rPr>
-              <a:t>GT3</a:t>
-            </a:r>
+              <a:t>GT3	</a:t>
+            </a:r>
+            <a:r>
+              <a:rPr lang="ja-JP" altLang="en-US" sz="2400" dirty="0">
+                <a:solidFill>
+                  <a:schemeClr val="bg1"/>
+                </a:solidFill>
+              </a:rPr>
+              <a:t>酔</a:t>
+            </a:r>
+            <a:r>
+              <a:rPr lang="ja-JP" altLang="en-US" sz="2400" dirty="0" smtClean="0">
+                <a:solidFill>
+                  <a:schemeClr val="bg1"/>
+                </a:solidFill>
+              </a:rPr>
+              <a:t>餃子</a:t>
+            </a:r>
+            <a:endParaRPr lang="en-US" altLang="ja-JP" sz="2400" dirty="0" smtClean="0">
+              <a:solidFill>
+                <a:schemeClr val="bg1"/>
+              </a:solidFill>
+            </a:endParaRPr>
           </a:p>
           <a:p>
             <a:pPr algn="l"/>
             <a:r>
-              <a:rPr lang="en-US" altLang="ja-JP" dirty="0" smtClean="0">
+              <a:rPr lang="en-US" altLang="ja-JP" sz="1400" dirty="0" smtClean="0">
                 <a:solidFill>
                   <a:schemeClr val="bg1"/>
                 </a:solidFill>
@@ -8036,7 +8062,7 @@
               <a:t>23</a:t>
             </a:r>
             <a:r>
-              <a:rPr lang="ja-JP" altLang="en-US" dirty="0" smtClean="0">
+              <a:rPr lang="ja-JP" altLang="en-US" sz="1400" dirty="0" smtClean="0">
                 <a:solidFill>
                   <a:schemeClr val="bg1"/>
                 </a:solidFill>
@@ -8044,7 +8070,7 @@
               <a:t>番</a:t>
             </a:r>
             <a:r>
-              <a:rPr lang="en-US" altLang="ja-JP" dirty="0" smtClean="0">
+              <a:rPr lang="en-US" altLang="ja-JP" sz="1400" dirty="0" smtClean="0">
                 <a:solidFill>
                   <a:schemeClr val="bg1"/>
                 </a:solidFill>
@@ -8052,14 +8078,30 @@
               <a:t>	</a:t>
             </a:r>
             <a:r>
-              <a:rPr lang="ja-JP" altLang="en-US" dirty="0" smtClean="0">
+              <a:rPr lang="en-US" altLang="ja-JP" sz="1400" dirty="0" smtClean="0">
                 <a:solidFill>
                   <a:schemeClr val="bg1"/>
                 </a:solidFill>
               </a:rPr>
-              <a:t>鷲津　俊太</a:t>
-            </a:r>
-            <a:endParaRPr lang="en-US" altLang="ja-JP" dirty="0" smtClean="0">
+              <a:t>	</a:t>
+            </a:r>
+            <a:r>
+              <a:rPr lang="ja-JP" altLang="en-US" sz="1400" dirty="0" smtClean="0">
+                <a:solidFill>
+                  <a:schemeClr val="bg1"/>
+                </a:solidFill>
+              </a:rPr>
+              <a:t>鷲津</a:t>
+            </a:r>
+            <a:r>
+              <a:rPr lang="ja-JP" altLang="en-US" sz="1400" dirty="0" smtClean="0">
+                <a:solidFill>
+                  <a:schemeClr val="bg1"/>
+                </a:solidFill>
+              </a:rPr>
+              <a:t>　俊太</a:t>
+            </a:r>
+            <a:endParaRPr lang="en-US" altLang="ja-JP" sz="1400" dirty="0" smtClean="0">
               <a:solidFill>
                 <a:schemeClr val="bg1"/>
               </a:solidFill>
@@ -8068,7 +8110,7 @@
           <a:p>
             <a:pPr algn="l"/>
             <a:r>
-              <a:rPr lang="en-US" altLang="ja-JP" dirty="0" smtClean="0">
+              <a:rPr lang="en-US" altLang="ja-JP" sz="1400" dirty="0" smtClean="0">
                 <a:solidFill>
                   <a:schemeClr val="bg1"/>
                 </a:solidFill>
@@ -8076,7 +8118,7 @@
               <a:t>2</a:t>
             </a:r>
             <a:r>
-              <a:rPr lang="ja-JP" altLang="en-US" dirty="0" smtClean="0">
+              <a:rPr lang="ja-JP" altLang="en-US" sz="1400" dirty="0" smtClean="0">
                 <a:solidFill>
                   <a:schemeClr val="bg1"/>
                 </a:solidFill>
@@ -8084,7 +8126,7 @@
               <a:t>番</a:t>
             </a:r>
             <a:r>
-              <a:rPr lang="en-US" altLang="ja-JP" dirty="0" smtClean="0">
+              <a:rPr lang="en-US" altLang="ja-JP" sz="1400" dirty="0" smtClean="0">
                 <a:solidFill>
                   <a:schemeClr val="bg1"/>
                 </a:solidFill>
@@ -8092,14 +8134,14 @@
               <a:t>		</a:t>
             </a:r>
             <a:r>
-              <a:rPr lang="ja-JP" altLang="en-US" dirty="0" smtClean="0">
+              <a:rPr lang="ja-JP" altLang="en-US" sz="1400" dirty="0" smtClean="0">
                 <a:solidFill>
                   <a:schemeClr val="bg1"/>
                 </a:solidFill>
               </a:rPr>
               <a:t>浅尾　宗彦</a:t>
             </a:r>
-            <a:endParaRPr lang="en-US" altLang="ja-JP" dirty="0" smtClean="0">
+            <a:endParaRPr lang="en-US" altLang="ja-JP" sz="1400" dirty="0" smtClean="0">
               <a:solidFill>
                 <a:schemeClr val="bg1"/>
               </a:solidFill>
@@ -8108,7 +8150,7 @@
           <a:p>
             <a:pPr algn="l"/>
             <a:r>
-              <a:rPr lang="en-US" altLang="ja-JP" dirty="0" smtClean="0">
+              <a:rPr lang="en-US" altLang="ja-JP" sz="1400" dirty="0" smtClean="0">
                 <a:solidFill>
                   <a:schemeClr val="bg1"/>
                 </a:solidFill>
@@ -8116,7 +8158,7 @@
               <a:t>8</a:t>
             </a:r>
             <a:r>
-              <a:rPr lang="ja-JP" altLang="en-US" dirty="0" smtClean="0">
+              <a:rPr lang="ja-JP" altLang="en-US" sz="1400" dirty="0" smtClean="0">
                 <a:solidFill>
                   <a:schemeClr val="bg1"/>
                 </a:solidFill>
@@ -8124,7 +8166,7 @@
               <a:t>番</a:t>
             </a:r>
             <a:r>
-              <a:rPr lang="en-US" altLang="ja-JP" dirty="0" smtClean="0">
+              <a:rPr lang="en-US" altLang="ja-JP" sz="1400" dirty="0" smtClean="0">
                 <a:solidFill>
                   <a:schemeClr val="bg1"/>
                 </a:solidFill>
@@ -8132,14 +8174,14 @@
               <a:t>		</a:t>
             </a:r>
             <a:r>
-              <a:rPr lang="ja-JP" altLang="en-US" dirty="0" smtClean="0">
+              <a:rPr lang="ja-JP" altLang="en-US" sz="1400" dirty="0" smtClean="0">
                 <a:solidFill>
                   <a:schemeClr val="bg1"/>
                 </a:solidFill>
               </a:rPr>
               <a:t>河辺　拓也</a:t>
             </a:r>
-            <a:endParaRPr lang="en-US" altLang="ja-JP" dirty="0" smtClean="0">
+            <a:endParaRPr lang="en-US" altLang="ja-JP" sz="1400" dirty="0" smtClean="0">
               <a:solidFill>
                 <a:schemeClr val="bg1"/>
               </a:solidFill>
@@ -8148,7 +8190,7 @@
           <a:p>
             <a:pPr algn="l"/>
             <a:r>
-              <a:rPr lang="en-US" altLang="ja-JP" dirty="0" smtClean="0">
+              <a:rPr lang="en-US" altLang="ja-JP" sz="1400" dirty="0" smtClean="0">
                 <a:solidFill>
                   <a:schemeClr val="bg1"/>
                 </a:solidFill>
@@ -8156,7 +8198,7 @@
               <a:t>10</a:t>
             </a:r>
             <a:r>
-              <a:rPr lang="ja-JP" altLang="en-US" dirty="0" smtClean="0">
+              <a:rPr lang="ja-JP" altLang="en-US" sz="1400" dirty="0" smtClean="0">
                 <a:solidFill>
                   <a:schemeClr val="bg1"/>
                 </a:solidFill>
@@ -8164,7 +8206,7 @@
               <a:t>番</a:t>
             </a:r>
             <a:r>
-              <a:rPr lang="en-US" altLang="ja-JP" dirty="0">
+              <a:rPr lang="en-US" altLang="ja-JP" sz="1400" dirty="0">
                 <a:solidFill>
                   <a:schemeClr val="bg1"/>
                 </a:solidFill>
@@ -8172,14 +8214,30 @@
               <a:t>	</a:t>
             </a:r>
             <a:r>
-              <a:rPr lang="ja-JP" altLang="en-US" dirty="0" smtClean="0">
+              <a:rPr lang="en-US" altLang="ja-JP" sz="1400" dirty="0" smtClean="0">
                 <a:solidFill>
                   <a:schemeClr val="bg1"/>
                 </a:solidFill>
               </a:rPr>
-              <a:t>瀧口　昂成</a:t>
-            </a:r>
-            <a:endParaRPr lang="en-US" altLang="ja-JP" dirty="0">
+              <a:t>	</a:t>
+            </a:r>
+            <a:r>
+              <a:rPr lang="ja-JP" altLang="en-US" sz="1400" dirty="0" smtClean="0">
+                <a:solidFill>
+                  <a:schemeClr val="bg1"/>
+                </a:solidFill>
+              </a:rPr>
+              <a:t>瀧口</a:t>
+            </a:r>
+            <a:r>
+              <a:rPr lang="ja-JP" altLang="en-US" sz="1400" dirty="0" smtClean="0">
+                <a:solidFill>
+                  <a:schemeClr val="bg1"/>
+                </a:solidFill>
+              </a:rPr>
+              <a:t>　昂成</a:t>
+            </a:r>
+            <a:endParaRPr lang="en-US" altLang="ja-JP" sz="1400" dirty="0">
               <a:solidFill>
                 <a:schemeClr val="bg1"/>
               </a:solidFill>
@@ -8188,7 +8246,7 @@
           <a:p>
             <a:pPr algn="l"/>
             <a:r>
-              <a:rPr lang="en-US" altLang="ja-JP" dirty="0" smtClean="0">
+              <a:rPr lang="en-US" altLang="ja-JP" sz="1400" dirty="0" smtClean="0">
                 <a:solidFill>
                   <a:schemeClr val="bg1"/>
                 </a:solidFill>
@@ -8196,7 +8254,7 @@
               <a:t>14</a:t>
             </a:r>
             <a:r>
-              <a:rPr lang="ja-JP" altLang="en-US" dirty="0">
+              <a:rPr lang="ja-JP" altLang="en-US" sz="1400" dirty="0">
                 <a:solidFill>
                   <a:schemeClr val="bg1"/>
                 </a:solidFill>
@@ -8204,7 +8262,7 @@
               <a:t>番</a:t>
             </a:r>
             <a:r>
-              <a:rPr lang="en-US" altLang="ja-JP" dirty="0">
+              <a:rPr lang="en-US" altLang="ja-JP" sz="1400" dirty="0">
                 <a:solidFill>
                   <a:schemeClr val="bg1"/>
                 </a:solidFill>
@@ -8212,14 +8270,30 @@
               <a:t>	</a:t>
             </a:r>
             <a:r>
-              <a:rPr lang="ja-JP" altLang="en-US" dirty="0" smtClean="0">
+              <a:rPr lang="en-US" altLang="ja-JP" sz="1400" dirty="0" smtClean="0">
                 <a:solidFill>
                   <a:schemeClr val="bg1"/>
                 </a:solidFill>
               </a:rPr>
-              <a:t>兵藤　慈憂座</a:t>
-            </a:r>
-            <a:endParaRPr lang="en-US" altLang="ja-JP" dirty="0" smtClean="0">
+              <a:t>	</a:t>
+            </a:r>
+            <a:r>
+              <a:rPr lang="ja-JP" altLang="en-US" sz="1400" dirty="0" smtClean="0">
+                <a:solidFill>
+                  <a:schemeClr val="bg1"/>
+                </a:solidFill>
+              </a:rPr>
+              <a:t>兵藤</a:t>
+            </a:r>
+            <a:r>
+              <a:rPr lang="ja-JP" altLang="en-US" sz="1400" dirty="0" smtClean="0">
+                <a:solidFill>
+                  <a:schemeClr val="bg1"/>
+                </a:solidFill>
+              </a:rPr>
+              <a:t>　慈憂座</a:t>
+            </a:r>
+            <a:endParaRPr lang="en-US" altLang="ja-JP" sz="1400" dirty="0" smtClean="0">
               <a:solidFill>
                 <a:schemeClr val="bg1"/>
               </a:solidFill>
@@ -8228,7 +8302,7 @@
           <a:p>
             <a:pPr algn="l"/>
             <a:r>
-              <a:rPr lang="en-US" altLang="ja-JP" dirty="0" smtClean="0">
+              <a:rPr lang="en-US" altLang="ja-JP" sz="1400" dirty="0" smtClean="0">
                 <a:solidFill>
                   <a:schemeClr val="bg1"/>
                 </a:solidFill>
@@ -8236,7 +8310,7 @@
               <a:t>19</a:t>
             </a:r>
             <a:r>
-              <a:rPr lang="ja-JP" altLang="en-US" dirty="0">
+              <a:rPr lang="ja-JP" altLang="en-US" sz="1400" dirty="0">
                 <a:solidFill>
                   <a:schemeClr val="bg1"/>
                 </a:solidFill>
@@ -8244,7 +8318,7 @@
               <a:t>番</a:t>
             </a:r>
             <a:r>
-              <a:rPr lang="en-US" altLang="ja-JP" dirty="0" smtClean="0">
+              <a:rPr lang="en-US" altLang="ja-JP" sz="1400" dirty="0" smtClean="0">
                 <a:solidFill>
                   <a:schemeClr val="bg1"/>
                 </a:solidFill>
@@ -8252,7 +8326,15 @@
               <a:t>	</a:t>
             </a:r>
             <a:r>
-              <a:rPr lang="ja-JP" altLang="en-US" dirty="0" smtClean="0">
+              <a:rPr lang="en-US" altLang="ja-JP" sz="1400" dirty="0" smtClean="0">
+                <a:solidFill>
+                  <a:schemeClr val="bg1"/>
+                </a:solidFill>
+              </a:rPr>
+              <a:t>	</a:t>
+            </a:r>
+            <a:r>
+              <a:rPr lang="ja-JP" altLang="en-US" sz="1400" dirty="0" smtClean="0">
                 <a:solidFill>
                   <a:schemeClr val="bg1"/>
                 </a:solidFill>
@@ -8260,7 +8342,7 @@
               <a:t>森</a:t>
             </a:r>
             <a:r>
-              <a:rPr lang="en-US" altLang="ja-JP" dirty="0" smtClean="0">
+              <a:rPr lang="en-US" altLang="ja-JP" sz="1400" dirty="0" smtClean="0">
                 <a:solidFill>
                   <a:schemeClr val="bg1"/>
                 </a:solidFill>
@@ -8268,14 +8350,14 @@
               <a:t>	</a:t>
             </a:r>
             <a:r>
-              <a:rPr lang="ja-JP" altLang="en-US" dirty="0" smtClean="0">
+              <a:rPr lang="ja-JP" altLang="en-US" sz="1400" dirty="0" smtClean="0">
                 <a:solidFill>
                   <a:schemeClr val="bg1"/>
                 </a:solidFill>
               </a:rPr>
               <a:t>勇介</a:t>
             </a:r>
-            <a:endParaRPr lang="en-US" altLang="ja-JP" dirty="0" smtClean="0">
+            <a:endParaRPr lang="en-US" altLang="ja-JP" sz="1400" dirty="0" smtClean="0">
               <a:solidFill>
                 <a:schemeClr val="bg1"/>
               </a:solidFill>
@@ -8883,31 +8965,67 @@
         </p:nvSpPr>
         <p:spPr/>
         <p:txBody>
-          <a:bodyPr/>
+          <a:bodyPr>
+            <a:normAutofit fontScale="92500" lnSpcReduction="10000"/>
+          </a:bodyPr>
           <a:lstStyle/>
           <a:p>
             <a:r>
-              <a:rPr lang="ja-JP" altLang="en-US" dirty="0" smtClean="0"/>
+              <a:rPr lang="ja-JP" altLang="en-US" dirty="0"/>
               <a:t>敵の位置が分かりにくい</a:t>
             </a:r>
-            <a:endParaRPr lang="en-US" altLang="ja-JP" dirty="0" smtClean="0"/>
-          </a:p>
-          <a:p>
-            <a:endParaRPr lang="en-US" altLang="ja-JP" dirty="0" smtClean="0"/>
+            <a:endParaRPr lang="en-US" altLang="ja-JP" dirty="0"/>
+          </a:p>
+          <a:p>
+            <a:pPr marL="457200" lvl="1" indent="0">
+              <a:buNone/>
+            </a:pPr>
+            <a:r>
+              <a:rPr lang="ja-JP" altLang="en-US" sz="1300" dirty="0"/>
+              <a:t>→敵の居る方向を矢印で表示</a:t>
+            </a:r>
+            <a:r>
+              <a:rPr lang="ja-JP" altLang="en-US" sz="1300" dirty="0" smtClean="0"/>
+              <a:t>させる</a:t>
+            </a:r>
+            <a:endParaRPr lang="en-US" altLang="ja-JP" sz="1300" dirty="0" smtClean="0"/>
+          </a:p>
+          <a:p>
+            <a:pPr marL="457200" lvl="1" indent="0">
+              <a:buNone/>
+            </a:pPr>
+            <a:endParaRPr lang="en-US" altLang="ja-JP" dirty="0"/>
           </a:p>
           <a:p>
             <a:r>
               <a:rPr lang="ja-JP" altLang="en-US" dirty="0"/>
-              <a:t>攻撃の当たった感覚が自機、敵ともに</a:t>
-            </a:r>
-            <a:r>
-              <a:rPr lang="ja-JP" altLang="en-US" dirty="0" smtClean="0"/>
-              <a:t>わかりにくい</a:t>
-            </a:r>
-            <a:endParaRPr lang="en-US" altLang="ja-JP" dirty="0" smtClean="0"/>
-          </a:p>
-          <a:p>
-            <a:endParaRPr lang="en-US" altLang="ja-JP" dirty="0" smtClean="0"/>
+              <a:t>攻撃の当たった感覚が自機、敵ともにわかりにくい</a:t>
+            </a:r>
+            <a:endParaRPr lang="en-US" altLang="ja-JP" dirty="0"/>
+          </a:p>
+          <a:p>
+            <a:pPr marL="0" lvl="1" indent="0">
+              <a:buNone/>
+            </a:pPr>
+            <a:r>
+              <a:rPr lang="en-US" altLang="ja-JP" sz="1300" dirty="0"/>
+              <a:t>	</a:t>
+            </a:r>
+            <a:r>
+              <a:rPr lang="ja-JP" altLang="en-US" sz="1300" dirty="0"/>
+              <a:t>→攻撃ヒット時のエフェクトの改善、変更、</a:t>
+            </a:r>
+            <a:r>
+              <a:rPr lang="ja-JP" altLang="en-US" sz="1300" dirty="0" smtClean="0"/>
+              <a:t>追加</a:t>
+            </a:r>
+            <a:endParaRPr lang="en-US" altLang="ja-JP" sz="1300" dirty="0" smtClean="0"/>
+          </a:p>
+          <a:p>
+            <a:pPr marL="0" lvl="1" indent="0">
+              <a:buNone/>
+            </a:pPr>
+            <a:endParaRPr lang="en-US" altLang="ja-JP" dirty="0"/>
           </a:p>
           <a:p>
             <a:r>
@@ -8915,31 +9033,66 @@
               <a:t>操作性がいまい</a:t>
             </a:r>
             <a:r>
-              <a:rPr lang="ja-JP" altLang="en-US" dirty="0" err="1" smtClean="0"/>
+              <a:rPr lang="ja-JP" altLang="en-US" dirty="0" err="1"/>
               <a:t>ち</a:t>
             </a:r>
             <a:r>
-              <a:rPr lang="en-US" altLang="ja-JP" dirty="0" smtClean="0"/>
+              <a:rPr lang="en-US" altLang="ja-JP" dirty="0"/>
               <a:t>(</a:t>
             </a:r>
             <a:r>
-              <a:rPr lang="ja-JP" altLang="en-US" dirty="0" smtClean="0"/>
+              <a:rPr lang="ja-JP" altLang="en-US" dirty="0"/>
               <a:t>仮想パッドが欲しい</a:t>
             </a:r>
             <a:r>
-              <a:rPr lang="en-US" altLang="ja-JP" dirty="0" smtClean="0"/>
+              <a:rPr lang="en-US" altLang="ja-JP" dirty="0"/>
               <a:t>)</a:t>
             </a:r>
           </a:p>
           <a:p>
+            <a:pPr marL="0" lvl="1" indent="0">
+              <a:buNone/>
+            </a:pPr>
+            <a:r>
+              <a:rPr lang="en-US" altLang="ja-JP" sz="1300" dirty="0"/>
+              <a:t>	</a:t>
+            </a:r>
+            <a:r>
+              <a:rPr lang="ja-JP" altLang="en-US" sz="1300" dirty="0"/>
+              <a:t>→仮想</a:t>
+            </a:r>
+            <a:r>
+              <a:rPr lang="ja-JP" altLang="en-US" sz="1300" dirty="0" smtClean="0"/>
+              <a:t>パッド付けます</a:t>
+            </a:r>
+            <a:endParaRPr lang="en-US" altLang="ja-JP" sz="1300" dirty="0" smtClean="0"/>
+          </a:p>
+          <a:p>
+            <a:pPr marL="0" lvl="1" indent="0">
+              <a:buNone/>
+            </a:pPr>
             <a:endParaRPr lang="en-US" altLang="ja-JP" dirty="0"/>
           </a:p>
           <a:p>
             <a:r>
-              <a:rPr lang="ja-JP" altLang="en-US" dirty="0" smtClean="0"/>
+              <a:rPr lang="ja-JP" altLang="en-US" dirty="0"/>
               <a:t>難しすぎ</a:t>
             </a:r>
-            <a:endParaRPr lang="en-US" altLang="ja-JP" dirty="0" smtClean="0"/>
+            <a:endParaRPr lang="en-US" altLang="ja-JP" dirty="0"/>
+          </a:p>
+          <a:p>
+            <a:pPr marL="0" indent="0">
+              <a:buNone/>
+            </a:pPr>
+            <a:r>
+              <a:rPr lang="en-US" altLang="ja-JP" dirty="0"/>
+              <a:t>	</a:t>
+            </a:r>
+            <a:r>
+              <a:rPr lang="ja-JP" altLang="en-US" sz="1300" dirty="0"/>
+              <a:t>→プレイヤーの移動速度、敵の強さ等調整します</a:t>
+            </a:r>
+            <a:endParaRPr lang="en-US" altLang="ja-JP" sz="1300" dirty="0"/>
           </a:p>
         </p:txBody>
       </p:sp>
@@ -9016,7 +9169,7 @@
         <p:spPr>
           <a:xfrm>
             <a:off x="2589212" y="2133600"/>
-            <a:ext cx="9602788" cy="4614930"/>
+            <a:ext cx="8538134" cy="4099775"/>
           </a:xfrm>
         </p:spPr>
         <p:txBody>
@@ -9027,132 +9180,33 @@
           <a:p>
             <a:r>
               <a:rPr lang="ja-JP" altLang="en-US" dirty="0" smtClean="0"/>
-              <a:t>敵の位置が分かりにくい</a:t>
-            </a:r>
-            <a:endParaRPr lang="en-US" altLang="ja-JP" dirty="0" smtClean="0"/>
-          </a:p>
-          <a:p>
-            <a:pPr marL="457200" lvl="1" indent="0">
-              <a:buNone/>
-            </a:pPr>
-            <a:r>
-              <a:rPr lang="ja-JP" altLang="en-US" sz="1300" dirty="0" smtClean="0"/>
-              <a:t>→敵の居る方向を矢印で表示させる</a:t>
-            </a:r>
-            <a:endParaRPr lang="en-US" altLang="ja-JP" dirty="0" smtClean="0"/>
-          </a:p>
-          <a:p>
+              <a:t>カットイン付き</a:t>
+            </a:r>
             <a:r>
               <a:rPr lang="ja-JP" altLang="en-US" dirty="0"/>
-              <a:t>攻撃の当たった感覚が自機、敵ともに</a:t>
-            </a:r>
-            <a:r>
-              <a:rPr lang="ja-JP" altLang="en-US" dirty="0" smtClean="0"/>
-              <a:t>わかりにくい</a:t>
-            </a:r>
-            <a:endParaRPr lang="en-US" altLang="ja-JP" dirty="0" smtClean="0"/>
-          </a:p>
-          <a:p>
-            <a:pPr marL="0" lvl="1" indent="0">
-              <a:buNone/>
-            </a:pPr>
-            <a:r>
-              <a:rPr lang="en-US" altLang="ja-JP" sz="1300" dirty="0"/>
-              <a:t>	</a:t>
-            </a:r>
-            <a:r>
-              <a:rPr lang="ja-JP" altLang="en-US" sz="1300" dirty="0" smtClean="0"/>
-              <a:t>→攻撃ヒット時のエフェクトの改善、変更、追加</a:t>
-            </a:r>
-            <a:endParaRPr lang="en-US" altLang="ja-JP" dirty="0" smtClean="0"/>
-          </a:p>
-          <a:p>
-            <a:r>
-              <a:rPr lang="ja-JP" altLang="en-US" dirty="0"/>
-              <a:t>操作性がいまい</a:t>
-            </a:r>
-            <a:r>
-              <a:rPr lang="ja-JP" altLang="en-US" dirty="0" err="1" smtClean="0"/>
-              <a:t>ち</a:t>
-            </a:r>
-            <a:r>
-              <a:rPr lang="en-US" altLang="ja-JP" dirty="0" smtClean="0"/>
-              <a:t>(</a:t>
-            </a:r>
-            <a:r>
-              <a:rPr lang="ja-JP" altLang="en-US" dirty="0" smtClean="0"/>
-              <a:t>仮想パッドが欲しい</a:t>
-            </a:r>
-            <a:r>
-              <a:rPr lang="en-US" altLang="ja-JP" dirty="0" smtClean="0"/>
-              <a:t>)</a:t>
-            </a:r>
-          </a:p>
-          <a:p>
-            <a:pPr marL="0" lvl="1" indent="0">
-              <a:buNone/>
-            </a:pPr>
-            <a:r>
-              <a:rPr lang="en-US" altLang="ja-JP" sz="1300" dirty="0" smtClean="0"/>
-              <a:t>	</a:t>
-            </a:r>
-            <a:r>
-              <a:rPr lang="ja-JP" altLang="en-US" sz="1300" dirty="0" smtClean="0"/>
-              <a:t>→</a:t>
-            </a:r>
-            <a:r>
-              <a:rPr lang="ja-JP" altLang="en-US" sz="1300" dirty="0"/>
-              <a:t>仮想</a:t>
-            </a:r>
-            <a:r>
-              <a:rPr lang="ja-JP" altLang="en-US" sz="1300" dirty="0" smtClean="0"/>
-              <a:t>パッド付けます</a:t>
-            </a:r>
-            <a:endParaRPr lang="en-US" altLang="ja-JP" dirty="0" smtClean="0"/>
-          </a:p>
-          <a:p>
-            <a:r>
-              <a:rPr lang="ja-JP" altLang="en-US" dirty="0" smtClean="0"/>
-              <a:t>難しすぎ</a:t>
-            </a:r>
-            <a:endParaRPr lang="en-US" altLang="ja-JP" dirty="0" smtClean="0"/>
-          </a:p>
-          <a:p>
-            <a:pPr marL="0" indent="0">
-              <a:buNone/>
-            </a:pPr>
-            <a:r>
-              <a:rPr lang="en-US" altLang="ja-JP" dirty="0"/>
-              <a:t>	</a:t>
-            </a:r>
-            <a:r>
-              <a:rPr lang="ja-JP" altLang="en-US" sz="1300" dirty="0" smtClean="0"/>
-              <a:t>→プレイヤーの移動速度、敵の強さ等調整します</a:t>
-            </a:r>
-            <a:endParaRPr lang="en-US" altLang="ja-JP" sz="1300" dirty="0" smtClean="0"/>
-          </a:p>
-          <a:p>
-            <a:pPr marL="0" indent="0">
-              <a:buNone/>
-            </a:pPr>
-            <a:endParaRPr lang="en-US" altLang="ja-JP" dirty="0"/>
-          </a:p>
-          <a:p>
-            <a:r>
-              <a:rPr lang="ja-JP" altLang="en-US" dirty="0"/>
-              <a:t>カットイン付きの必殺技のようなものを</a:t>
+              <a:t>の必殺技のようなものを</a:t>
             </a:r>
             <a:r>
               <a:rPr lang="ja-JP" altLang="en-US" dirty="0" smtClean="0"/>
               <a:t>実装</a:t>
             </a:r>
+            <a:endParaRPr lang="en-US" altLang="ja-JP" dirty="0" smtClean="0"/>
+          </a:p>
+          <a:p>
             <a:endParaRPr lang="en-US" altLang="ja-JP" dirty="0"/>
           </a:p>
           <a:p>
             <a:r>
               <a:rPr lang="ja-JP" altLang="en-US" dirty="0" smtClean="0"/>
-              <a:t>スキルを追加、スキルの仕様変更</a:t>
-            </a:r>
+              <a:t>スキルを追加、スキルの仕様</a:t>
+            </a:r>
+            <a:r>
+              <a:rPr lang="ja-JP" altLang="en-US" dirty="0" smtClean="0"/>
+              <a:t>変更</a:t>
+            </a:r>
+            <a:endParaRPr lang="en-US" altLang="ja-JP" dirty="0" smtClean="0"/>
+          </a:p>
+          <a:p>
             <a:endParaRPr lang="en-US" altLang="ja-JP" dirty="0"/>
           </a:p>
           <a:p>
